--- a/MobilePrograming/20173041_권철현_프로젝트_제안서.pptx
+++ b/MobilePrograming/20173041_권철현_프로젝트_제안서.pptx
@@ -288,7 +288,7 @@
           <a:p>
             <a:fld id="{D94D4F6C-C331-422D-AC95-F1CB84419871}" type="datetimeFigureOut">
               <a:rPr lang="ko-KR" altLang="en-US" smtClean="0"/>
-              <a:t>2021-10-28</a:t>
+              <a:t>2021-11-01</a:t>
             </a:fld>
             <a:endParaRPr lang="ko-KR" altLang="en-US"/>
           </a:p>
@@ -486,7 +486,7 @@
           <a:p>
             <a:fld id="{D94D4F6C-C331-422D-AC95-F1CB84419871}" type="datetimeFigureOut">
               <a:rPr lang="ko-KR" altLang="en-US" smtClean="0"/>
-              <a:t>2021-10-28</a:t>
+              <a:t>2021-11-01</a:t>
             </a:fld>
             <a:endParaRPr lang="ko-KR" altLang="en-US"/>
           </a:p>
@@ -694,7 +694,7 @@
           <a:p>
             <a:fld id="{D94D4F6C-C331-422D-AC95-F1CB84419871}" type="datetimeFigureOut">
               <a:rPr lang="ko-KR" altLang="en-US" smtClean="0"/>
-              <a:t>2021-10-28</a:t>
+              <a:t>2021-11-01</a:t>
             </a:fld>
             <a:endParaRPr lang="ko-KR" altLang="en-US"/>
           </a:p>
@@ -892,7 +892,7 @@
           <a:p>
             <a:fld id="{D94D4F6C-C331-422D-AC95-F1CB84419871}" type="datetimeFigureOut">
               <a:rPr lang="ko-KR" altLang="en-US" smtClean="0"/>
-              <a:t>2021-10-28</a:t>
+              <a:t>2021-11-01</a:t>
             </a:fld>
             <a:endParaRPr lang="ko-KR" altLang="en-US"/>
           </a:p>
@@ -1167,7 +1167,7 @@
           <a:p>
             <a:fld id="{D94D4F6C-C331-422D-AC95-F1CB84419871}" type="datetimeFigureOut">
               <a:rPr lang="ko-KR" altLang="en-US" smtClean="0"/>
-              <a:t>2021-10-28</a:t>
+              <a:t>2021-11-01</a:t>
             </a:fld>
             <a:endParaRPr lang="ko-KR" altLang="en-US"/>
           </a:p>
@@ -1432,7 +1432,7 @@
           <a:p>
             <a:fld id="{D94D4F6C-C331-422D-AC95-F1CB84419871}" type="datetimeFigureOut">
               <a:rPr lang="ko-KR" altLang="en-US" smtClean="0"/>
-              <a:t>2021-10-28</a:t>
+              <a:t>2021-11-01</a:t>
             </a:fld>
             <a:endParaRPr lang="ko-KR" altLang="en-US"/>
           </a:p>
@@ -1844,7 +1844,7 @@
           <a:p>
             <a:fld id="{D94D4F6C-C331-422D-AC95-F1CB84419871}" type="datetimeFigureOut">
               <a:rPr lang="ko-KR" altLang="en-US" smtClean="0"/>
-              <a:t>2021-10-28</a:t>
+              <a:t>2021-11-01</a:t>
             </a:fld>
             <a:endParaRPr lang="ko-KR" altLang="en-US"/>
           </a:p>
@@ -1985,7 +1985,7 @@
           <a:p>
             <a:fld id="{D94D4F6C-C331-422D-AC95-F1CB84419871}" type="datetimeFigureOut">
               <a:rPr lang="ko-KR" altLang="en-US" smtClean="0"/>
-              <a:t>2021-10-28</a:t>
+              <a:t>2021-11-01</a:t>
             </a:fld>
             <a:endParaRPr lang="ko-KR" altLang="en-US"/>
           </a:p>
@@ -2175,7 +2175,7 @@
           <a:p>
             <a:fld id="{D94D4F6C-C331-422D-AC95-F1CB84419871}" type="datetimeFigureOut">
               <a:rPr lang="ko-KR" altLang="en-US" smtClean="0"/>
-              <a:t>2021-10-28</a:t>
+              <a:t>2021-11-01</a:t>
             </a:fld>
             <a:endParaRPr lang="ko-KR" altLang="en-US"/>
           </a:p>
@@ -2486,7 +2486,7 @@
           <a:p>
             <a:fld id="{D94D4F6C-C331-422D-AC95-F1CB84419871}" type="datetimeFigureOut">
               <a:rPr lang="ko-KR" altLang="en-US" smtClean="0"/>
-              <a:t>2021-10-28</a:t>
+              <a:t>2021-11-01</a:t>
             </a:fld>
             <a:endParaRPr lang="ko-KR" altLang="en-US"/>
           </a:p>
@@ -2774,7 +2774,7 @@
           <a:p>
             <a:fld id="{D94D4F6C-C331-422D-AC95-F1CB84419871}" type="datetimeFigureOut">
               <a:rPr lang="ko-KR" altLang="en-US" smtClean="0"/>
-              <a:t>2021-10-28</a:t>
+              <a:t>2021-11-01</a:t>
             </a:fld>
             <a:endParaRPr lang="ko-KR" altLang="en-US"/>
           </a:p>
@@ -3015,7 +3015,7 @@
           <a:p>
             <a:fld id="{D94D4F6C-C331-422D-AC95-F1CB84419871}" type="datetimeFigureOut">
               <a:rPr lang="ko-KR" altLang="en-US" smtClean="0"/>
-              <a:t>2021-10-28</a:t>
+              <a:t>2021-11-01</a:t>
             </a:fld>
             <a:endParaRPr lang="ko-KR" altLang="en-US"/>
           </a:p>
@@ -5737,6 +5737,58 @@
           </a:prstGeom>
         </p:spPr>
       </p:pic>
+      <p:sp>
+        <p:nvSpPr>
+          <p:cNvPr id="2" name="직사각형 1">
+            <a:extLst>
+              <a:ext uri="{FF2B5EF4-FFF2-40B4-BE49-F238E27FC236}">
+                <a16:creationId xmlns:a16="http://schemas.microsoft.com/office/drawing/2014/main" id="{261760FA-31C6-466B-B31D-7A32099E0953}"/>
+              </a:ext>
+            </a:extLst>
+          </p:cNvPr>
+          <p:cNvSpPr/>
+          <p:nvPr/>
+        </p:nvSpPr>
+        <p:spPr>
+          <a:xfrm>
+            <a:off x="7476877" y="4143375"/>
+            <a:ext cx="1381373" cy="214313"/>
+          </a:xfrm>
+          <a:prstGeom prst="rect">
+            <a:avLst/>
+          </a:prstGeom>
+          <a:noFill/>
+          <a:ln w="31750">
+            <a:solidFill>
+              <a:srgbClr val="FF0000"/>
+            </a:solidFill>
+          </a:ln>
+        </p:spPr>
+        <p:style>
+          <a:lnRef idx="2">
+            <a:schemeClr val="accent1">
+              <a:shade val="50000"/>
+            </a:schemeClr>
+          </a:lnRef>
+          <a:fillRef idx="1">
+            <a:schemeClr val="accent1"/>
+          </a:fillRef>
+          <a:effectRef idx="0">
+            <a:schemeClr val="accent1"/>
+          </a:effectRef>
+          <a:fontRef idx="minor">
+            <a:schemeClr val="lt1"/>
+          </a:fontRef>
+        </p:style>
+        <p:txBody>
+          <a:bodyPr rtlCol="0" anchor="ctr"/>
+          <a:lstStyle/>
+          <a:p>
+            <a:pPr algn="ctr"/>
+            <a:endParaRPr lang="ko-KR" altLang="en-US"/>
+          </a:p>
+        </p:txBody>
+      </p:sp>
     </p:spTree>
     <p:extLst>
       <p:ext uri="{BB962C8B-B14F-4D97-AF65-F5344CB8AC3E}">
